--- a/template.pptx
+++ b/template.pptx
@@ -212,7 +212,7 @@
             <a:fld id="{A849C5AD-4428-4E9C-9C84-11B72C9365FB}" type="datetimeFigureOut">
               <a:rPr lang="pt-PT" smtClean="0"/>
               <a:pPr/>
-              <a:t>11/10/2017</a:t>
+              <a:t>30/10/2017</a:t>
             </a:fld>
             <a:endParaRPr lang="pt-PT"/>
           </a:p>
@@ -366,7 +366,7 @@
             <a:fld id="{D7547E60-4BE7-4E4E-9AAA-5EE35AEC995C}" type="datetimeFigureOut">
               <a:rPr lang="pt-PT"/>
               <a:pPr/>
-              <a:t>11/10/2017</a:t>
+              <a:t>30/10/2017</a:t>
             </a:fld>
             <a:endParaRPr lang="pt-PT"/>
           </a:p>
@@ -1836,8 +1836,8 @@
           <a:lstStyle/>
           <a:p>
             <a:r>
-              <a:rPr lang="en-US" b="1" i="1" dirty="0" err="1"/>
-              <a:t>AutOS</a:t>
+              <a:rPr lang="en-US" b="1" i="1"/>
+              <a:t>iTest</a:t>
             </a:r>
             <a:endParaRPr lang="en-US" b="1" i="1" dirty="0"/>
           </a:p>
@@ -1907,19 +1907,8 @@
                 <a:latin typeface="Calibri" panose="020F0502020204030204" pitchFamily="34" charset="0"/>
                 <a:cs typeface="Calibri" panose="020F0502020204030204" pitchFamily="34" charset="0"/>
               </a:rPr>
-              <a:t>Rui Carvalho </a:t>
-            </a:r>
-            <a:r>
-              <a:rPr lang="en-US" sz="2000" b="1">
-                <a:latin typeface="Calibri" panose="020F0502020204030204" pitchFamily="34" charset="0"/>
-                <a:cs typeface="Calibri" panose="020F0502020204030204" pitchFamily="34" charset="0"/>
-              </a:rPr>
-              <a:t>– A76279</a:t>
-            </a:r>
-            <a:endParaRPr lang="en-US" sz="2000" b="1" dirty="0">
-              <a:latin typeface="Calibri" panose="020F0502020204030204" pitchFamily="34" charset="0"/>
-              <a:cs typeface="Calibri" panose="020F0502020204030204" pitchFamily="34" charset="0"/>
-            </a:endParaRPr>
+              <a:t>Rui Carvalho – A76279</a:t>
+            </a:r>
           </a:p>
         </p:txBody>
       </p:sp>
@@ -1980,71 +1969,6 @@
       </p:grpSpPr>
       <p:sp>
         <p:nvSpPr>
-          <p:cNvPr id="2" name="Marcador de Posição do Texto 1"/>
-          <p:cNvSpPr>
-            <a:spLocks noGrp="1"/>
-          </p:cNvSpPr>
-          <p:nvPr>
-            <p:ph type="body" idx="1"/>
-          </p:nvPr>
-        </p:nvSpPr>
-        <p:spPr/>
-        <p:txBody>
-          <a:bodyPr>
-            <a:normAutofit/>
-          </a:bodyPr>
-          <a:lstStyle/>
-          <a:p>
-            <a:endParaRPr lang="en-US" dirty="0"/>
-          </a:p>
-          <a:p>
-            <a:endParaRPr lang="en-US" dirty="0"/>
-          </a:p>
-          <a:p>
-            <a:endParaRPr lang="en-US" dirty="0"/>
-          </a:p>
-          <a:p>
-            <a:endParaRPr lang="en-US" dirty="0"/>
-          </a:p>
-          <a:p>
-            <a:endParaRPr lang="en-US" dirty="0"/>
-          </a:p>
-          <a:p>
-            <a:endParaRPr lang="en-US" dirty="0"/>
-          </a:p>
-          <a:p>
-            <a:endParaRPr lang="en-US" dirty="0"/>
-          </a:p>
-          <a:p>
-            <a:endParaRPr lang="en-US" dirty="0"/>
-          </a:p>
-        </p:txBody>
-      </p:sp>
-      <p:sp>
-        <p:nvSpPr>
-          <p:cNvPr id="3" name="Título 2"/>
-          <p:cNvSpPr>
-            <a:spLocks noGrp="1"/>
-          </p:cNvSpPr>
-          <p:nvPr>
-            <p:ph type="title"/>
-          </p:nvPr>
-        </p:nvSpPr>
-        <p:spPr/>
-        <p:txBody>
-          <a:bodyPr/>
-          <a:lstStyle/>
-          <a:p>
-            <a:pPr algn="ctr"/>
-            <a:r>
-              <a:rPr lang="en-US" dirty="0"/>
-              <a:t>Agenda</a:t>
-            </a:r>
-          </a:p>
-        </p:txBody>
-      </p:sp>
-      <p:sp>
-        <p:nvSpPr>
           <p:cNvPr id="4" name="Marcador de Posição do Número do Diapositivo 3"/>
           <p:cNvSpPr>
             <a:spLocks noGrp="1"/>
@@ -2065,6 +1989,56 @@
               <a:t>2</a:t>
             </a:fld>
             <a:endParaRPr lang="iu-Latn-CA"/>
+          </a:p>
+        </p:txBody>
+      </p:sp>
+      <p:sp>
+        <p:nvSpPr>
+          <p:cNvPr id="6" name="Título 5">
+            <a:extLst>
+              <a:ext uri="{FF2B5EF4-FFF2-40B4-BE49-F238E27FC236}">
+                <a16:creationId xmlns:a16="http://schemas.microsoft.com/office/drawing/2014/main" id="{0FC715C8-FBAD-4B3F-86F6-75B2DCA0398A}"/>
+              </a:ext>
+            </a:extLst>
+          </p:cNvPr>
+          <p:cNvSpPr>
+            <a:spLocks noGrp="1"/>
+          </p:cNvSpPr>
+          <p:nvPr>
+            <p:ph type="title"/>
+          </p:nvPr>
+        </p:nvSpPr>
+        <p:spPr/>
+        <p:txBody>
+          <a:bodyPr/>
+          <a:lstStyle/>
+          <a:p>
+            <a:endParaRPr lang="pt-PT"/>
+          </a:p>
+        </p:txBody>
+      </p:sp>
+      <p:sp>
+        <p:nvSpPr>
+          <p:cNvPr id="8" name="Marcador de Posição do Texto 7">
+            <a:extLst>
+              <a:ext uri="{FF2B5EF4-FFF2-40B4-BE49-F238E27FC236}">
+                <a16:creationId xmlns:a16="http://schemas.microsoft.com/office/drawing/2014/main" id="{A140C7FB-881A-4196-99EB-48015CD575BD}"/>
+              </a:ext>
+            </a:extLst>
+          </p:cNvPr>
+          <p:cNvSpPr>
+            <a:spLocks noGrp="1"/>
+          </p:cNvSpPr>
+          <p:nvPr>
+            <p:ph type="body" idx="1"/>
+          </p:nvPr>
+        </p:nvSpPr>
+        <p:spPr/>
+        <p:txBody>
+          <a:bodyPr/>
+          <a:lstStyle/>
+          <a:p>
+            <a:endParaRPr lang="pt-PT"/>
           </a:p>
         </p:txBody>
       </p:sp>
@@ -2932,14 +2906,6 @@
 </file>
 
 <file path=customXml/item1.xml><?xml version="1.0" encoding="utf-8"?>
-<p:properties xmlns:p="http://schemas.microsoft.com/office/2006/metadata/properties" xmlns:xsi="http://www.w3.org/2001/XMLSchema-instance" xmlns:pc="http://schemas.microsoft.com/office/infopath/2007/PartnerControls"/>
-</file>
-
-<file path=customXml/item2.xml><?xml version="1.0" encoding="utf-8"?>
-<ct:contentTypeSchema xmlns:ct="http://schemas.microsoft.com/office/2006/metadata/contentType" xmlns:ma="http://schemas.microsoft.com/office/2006/metadata/properties/metaAttributes" ct:_="" ma:_="" ma:contentTypeName="TemplateFile" ma:contentTypeID="0x0101005EB5FCBB1E5ECD4D83FA6E62BA4F98FF04003B76559807ED7042AFCC9CD6E0E16B7A" ma:contentTypeVersion="23" ma:contentTypeDescription="Create a new document." ma:contentTypeScope="" ma:versionID="4e7ae912b4fbccaa31f4eb83f826eee0"/>
-</file>
-
-<file path=customXml/item3.xml><?xml version="1.0" encoding="utf-8"?>
 <?mso-contentType ?>
 <FormTemplates xmlns="http://schemas.microsoft.com/sharepoint/v3/contenttype/forms">
   <Display>DocumentLibraryForm</Display>
@@ -2948,11 +2914,18 @@
 </FormTemplates>
 </file>
 
+<file path=customXml/item2.xml><?xml version="1.0" encoding="utf-8"?>
+<ct:contentTypeSchema xmlns:ct="http://schemas.microsoft.com/office/2006/metadata/contentType" xmlns:ma="http://schemas.microsoft.com/office/2006/metadata/properties/metaAttributes" ct:_="" ma:_="" ma:contentTypeName="TemplateFile" ma:contentTypeID="0x0101005EB5FCBB1E5ECD4D83FA6E62BA4F98FF04003B76559807ED7042AFCC9CD6E0E16B7A" ma:contentTypeVersion="23" ma:contentTypeDescription="Create a new document." ma:contentTypeScope="" ma:versionID="4e7ae912b4fbccaa31f4eb83f826eee0"/>
+</file>
+
+<file path=customXml/item3.xml><?xml version="1.0" encoding="utf-8"?>
+<p:properties xmlns:p="http://schemas.microsoft.com/office/2006/metadata/properties" xmlns:xsi="http://www.w3.org/2001/XMLSchema-instance" xmlns:pc="http://schemas.microsoft.com/office/infopath/2007/PartnerControls"/>
+</file>
+
 <file path=customXml/itemProps1.xml><?xml version="1.0" encoding="utf-8"?>
-<ds:datastoreItem xmlns:ds="http://schemas.openxmlformats.org/officeDocument/2006/customXml" ds:itemID="{01D2A88F-2AED-40BE-90C1-A47312572039}">
+<ds:datastoreItem xmlns:ds="http://schemas.openxmlformats.org/officeDocument/2006/customXml" ds:itemID="{639430A2-2E43-417E-8E0C-4D89782865E9}">
   <ds:schemaRefs>
-    <ds:schemaRef ds:uri="http://schemas.microsoft.com/office/2006/metadata/properties"/>
-    <ds:schemaRef ds:uri="http://schemas.microsoft.com/office/infopath/2007/PartnerControls"/>
+    <ds:schemaRef ds:uri="http://schemas.microsoft.com/sharepoint/v3/contenttype/forms"/>
   </ds:schemaRefs>
 </ds:datastoreItem>
 </file>
@@ -2967,9 +2940,10 @@
 </file>
 
 <file path=customXml/itemProps3.xml><?xml version="1.0" encoding="utf-8"?>
-<ds:datastoreItem xmlns:ds="http://schemas.openxmlformats.org/officeDocument/2006/customXml" ds:itemID="{639430A2-2E43-417E-8E0C-4D89782865E9}">
+<ds:datastoreItem xmlns:ds="http://schemas.openxmlformats.org/officeDocument/2006/customXml" ds:itemID="{01D2A88F-2AED-40BE-90C1-A47312572039}">
   <ds:schemaRefs>
-    <ds:schemaRef ds:uri="http://schemas.microsoft.com/sharepoint/v3/contenttype/forms"/>
+    <ds:schemaRef ds:uri="http://schemas.microsoft.com/office/2006/metadata/properties"/>
+    <ds:schemaRef ds:uri="http://schemas.microsoft.com/office/infopath/2007/PartnerControls"/>
   </ds:schemaRefs>
 </ds:datastoreItem>
 </file>